--- a/presentazione/Form di inserimento dati.pptx
+++ b/presentazione/Form di inserimento dati.pptx
@@ -121,6 +121,11 @@
       </a:defRPr>
     </a:lvl9pPr>
   </p:defaultTextStyle>
+  <p:extLst>
+    <p:ext uri="{EFAFB233-063F-42B5-8137-9DF3F51BA10A}">
+      <p15:sldGuideLst xmlns:p15="http://schemas.microsoft.com/office/powerpoint/2012/main"/>
+    </p:ext>
+  </p:extLst>
 </p:presentation>
 </file>
 
@@ -6092,7 +6097,7 @@
       </p:sp>
       <p:pic>
         <p:nvPicPr>
-          <p:cNvPr id="4" name="Immagine 3"/>
+          <p:cNvPr id="5" name="Immagine 4"/>
           <p:cNvPicPr>
             <a:picLocks noChangeAspect="1"/>
           </p:cNvPicPr>
@@ -6112,8 +6117,8 @@
         </p:blipFill>
         <p:spPr>
           <a:xfrm>
-            <a:off x="4412045" y="3404275"/>
-            <a:ext cx="6811326" cy="2010056"/>
+            <a:off x="4510899" y="3527843"/>
+            <a:ext cx="6945359" cy="1999747"/>
           </a:xfrm>
           <a:prstGeom prst="rect">
             <a:avLst/>
@@ -6130,13 +6135,13 @@
   <p:clrMapOvr>
     <a:masterClrMapping/>
   </p:clrMapOvr>
-  <mc:AlternateContent xmlns:mc="http://schemas.openxmlformats.org/markup-compatibility/2006">
-    <mc:Choice xmlns:p14="http://schemas.microsoft.com/office/powerpoint/2010/main" Requires="p14">
+  <mc:AlternateContent xmlns:mc="http://schemas.openxmlformats.org/markup-compatibility/2006" xmlns:p14="http://schemas.microsoft.com/office/powerpoint/2010/main">
+    <mc:Choice Requires="p14">
       <p:transition spd="slow" p14:dur="1500">
         <p:split orient="vert"/>
       </p:transition>
     </mc:Choice>
-    <mc:Fallback>
+    <mc:Fallback xmlns="">
       <p:transition spd="slow">
         <p:split orient="vert"/>
       </p:transition>
@@ -6176,7 +6181,7 @@
                                           </p:stCondLst>
                                         </p:cTn>
                                         <p:tgtEl>
-                                          <p:spTgt spid="4"/>
+                                          <p:spTgt spid="5"/>
                                         </p:tgtEl>
                                         <p:attrNameLst>
                                           <p:attrName>style.visibility</p:attrName>
@@ -6190,7 +6195,7 @@
                                       <p:cBhvr>
                                         <p:cTn id="7" dur="500"/>
                                         <p:tgtEl>
-                                          <p:spTgt spid="4"/>
+                                          <p:spTgt spid="5"/>
                                         </p:tgtEl>
                                       </p:cBhvr>
                                     </p:animEffect>
@@ -6423,13 +6428,13 @@
   <p:clrMapOvr>
     <a:masterClrMapping/>
   </p:clrMapOvr>
-  <mc:AlternateContent xmlns:mc="http://schemas.openxmlformats.org/markup-compatibility/2006">
-    <mc:Choice xmlns:p14="http://schemas.microsoft.com/office/powerpoint/2010/main" Requires="p14">
+  <mc:AlternateContent xmlns:mc="http://schemas.openxmlformats.org/markup-compatibility/2006" xmlns:p14="http://schemas.microsoft.com/office/powerpoint/2010/main">
+    <mc:Choice Requires="p14">
       <p:transition spd="slow" p14:dur="1500">
         <p:split orient="vert"/>
       </p:transition>
     </mc:Choice>
-    <mc:Fallback>
+    <mc:Fallback xmlns="">
       <p:transition spd="slow">
         <p:split orient="vert"/>
       </p:transition>
@@ -6585,13 +6590,13 @@
   <p:clrMapOvr>
     <a:masterClrMapping/>
   </p:clrMapOvr>
-  <mc:AlternateContent xmlns:mc="http://schemas.openxmlformats.org/markup-compatibility/2006">
-    <mc:Choice xmlns:p14="http://schemas.microsoft.com/office/powerpoint/2010/main" Requires="p14">
+  <mc:AlternateContent xmlns:mc="http://schemas.openxmlformats.org/markup-compatibility/2006" xmlns:p14="http://schemas.microsoft.com/office/powerpoint/2010/main">
+    <mc:Choice Requires="p14">
       <p:transition spd="slow" p14:dur="1500">
         <p:split orient="vert"/>
       </p:transition>
     </mc:Choice>
-    <mc:Fallback>
+    <mc:Fallback xmlns="">
       <p:transition spd="slow">
         <p:split orient="vert"/>
       </p:transition>
@@ -6860,13 +6865,13 @@
   <p:clrMapOvr>
     <a:masterClrMapping/>
   </p:clrMapOvr>
-  <mc:AlternateContent xmlns:mc="http://schemas.openxmlformats.org/markup-compatibility/2006">
-    <mc:Choice xmlns:p14="http://schemas.microsoft.com/office/powerpoint/2010/main" Requires="p14">
+  <mc:AlternateContent xmlns:mc="http://schemas.openxmlformats.org/markup-compatibility/2006" xmlns:p14="http://schemas.microsoft.com/office/powerpoint/2010/main">
+    <mc:Choice Requires="p14">
       <p:transition spd="slow" p14:dur="1500">
         <p:split orient="vert"/>
       </p:transition>
     </mc:Choice>
-    <mc:Fallback>
+    <mc:Fallback xmlns="">
       <p:transition spd="slow">
         <p:split orient="vert"/>
       </p:transition>
@@ -6961,13 +6966,13 @@
   <p:clrMapOvr>
     <a:masterClrMapping/>
   </p:clrMapOvr>
-  <mc:AlternateContent xmlns:mc="http://schemas.openxmlformats.org/markup-compatibility/2006">
-    <mc:Choice xmlns:p14="http://schemas.microsoft.com/office/powerpoint/2010/main" Requires="p14">
+  <mc:AlternateContent xmlns:mc="http://schemas.openxmlformats.org/markup-compatibility/2006" xmlns:p14="http://schemas.microsoft.com/office/powerpoint/2010/main">
+    <mc:Choice Requires="p14">
       <p:transition spd="slow" p14:dur="1500">
         <p:split orient="vert"/>
       </p:transition>
     </mc:Choice>
-    <mc:Fallback>
+    <mc:Fallback xmlns="">
       <p:transition spd="slow">
         <p:split orient="vert"/>
       </p:transition>
@@ -7063,13 +7068,13 @@
   <p:clrMapOvr>
     <a:masterClrMapping/>
   </p:clrMapOvr>
-  <mc:AlternateContent xmlns:mc="http://schemas.openxmlformats.org/markup-compatibility/2006">
-    <mc:Choice xmlns:p14="http://schemas.microsoft.com/office/powerpoint/2010/main" Requires="p14">
+  <mc:AlternateContent xmlns:mc="http://schemas.openxmlformats.org/markup-compatibility/2006" xmlns:p14="http://schemas.microsoft.com/office/powerpoint/2010/main">
+    <mc:Choice Requires="p14">
       <p:transition spd="slow" p14:dur="1500">
         <p:split orient="vert"/>
       </p:transition>
     </mc:Choice>
-    <mc:Fallback>
+    <mc:Fallback xmlns="">
       <p:transition spd="slow">
         <p:split orient="vert"/>
       </p:transition>
@@ -7194,13 +7199,13 @@
   <p:clrMapOvr>
     <a:masterClrMapping/>
   </p:clrMapOvr>
-  <mc:AlternateContent xmlns:mc="http://schemas.openxmlformats.org/markup-compatibility/2006">
-    <mc:Choice xmlns:p14="http://schemas.microsoft.com/office/powerpoint/2010/main" Requires="p14">
+  <mc:AlternateContent xmlns:mc="http://schemas.openxmlformats.org/markup-compatibility/2006" xmlns:p14="http://schemas.microsoft.com/office/powerpoint/2010/main">
+    <mc:Choice Requires="p14">
       <p:transition spd="slow" p14:dur="1500">
         <p:split orient="vert"/>
       </p:transition>
     </mc:Choice>
-    <mc:Fallback>
+    <mc:Fallback xmlns="">
       <p:transition spd="slow">
         <p:split orient="vert"/>
       </p:transition>
@@ -7507,13 +7512,13 @@
   <p:clrMapOvr>
     <a:masterClrMapping/>
   </p:clrMapOvr>
-  <mc:AlternateContent xmlns:mc="http://schemas.openxmlformats.org/markup-compatibility/2006">
-    <mc:Choice xmlns:p14="http://schemas.microsoft.com/office/powerpoint/2010/main" Requires="p14">
+  <mc:AlternateContent xmlns:mc="http://schemas.openxmlformats.org/markup-compatibility/2006" xmlns:p14="http://schemas.microsoft.com/office/powerpoint/2010/main">
+    <mc:Choice Requires="p14">
       <p:transition spd="slow" p14:dur="1500">
         <p:split orient="vert"/>
       </p:transition>
     </mc:Choice>
-    <mc:Fallback>
+    <mc:Fallback xmlns="">
       <p:transition spd="slow">
         <p:split orient="vert"/>
       </p:transition>
@@ -7821,7 +7826,7 @@
       </p:sp>
       <p:pic>
         <p:nvPicPr>
-          <p:cNvPr id="4" name="Immagine 3"/>
+          <p:cNvPr id="5" name="Immagine 4"/>
           <p:cNvPicPr>
             <a:picLocks noChangeAspect="1"/>
           </p:cNvPicPr>
@@ -7841,8 +7846,8 @@
         </p:blipFill>
         <p:spPr>
           <a:xfrm>
-            <a:off x="4142774" y="3273802"/>
-            <a:ext cx="6608008" cy="1347625"/>
+            <a:off x="4192634" y="3380141"/>
+            <a:ext cx="6475948" cy="1315427"/>
           </a:xfrm>
           <a:prstGeom prst="rect">
             <a:avLst/>
@@ -7859,13 +7864,13 @@
   <p:clrMapOvr>
     <a:masterClrMapping/>
   </p:clrMapOvr>
-  <mc:AlternateContent xmlns:mc="http://schemas.openxmlformats.org/markup-compatibility/2006">
-    <mc:Choice xmlns:p14="http://schemas.microsoft.com/office/powerpoint/2010/main" Requires="p14">
+  <mc:AlternateContent xmlns:mc="http://schemas.openxmlformats.org/markup-compatibility/2006" xmlns:p14="http://schemas.microsoft.com/office/powerpoint/2010/main">
+    <mc:Choice Requires="p14">
       <p:transition spd="slow" p14:dur="1500">
         <p:split orient="vert"/>
       </p:transition>
     </mc:Choice>
-    <mc:Fallback>
+    <mc:Fallback xmlns="">
       <p:transition spd="slow">
         <p:split orient="vert"/>
       </p:transition>
@@ -7905,7 +7910,7 @@
                                           </p:stCondLst>
                                         </p:cTn>
                                         <p:tgtEl>
-                                          <p:spTgt spid="4"/>
+                                          <p:spTgt spid="5"/>
                                         </p:tgtEl>
                                         <p:attrNameLst>
                                           <p:attrName>style.visibility</p:attrName>
@@ -7919,7 +7924,7 @@
                                       <p:cBhvr>
                                         <p:cTn id="7" dur="500"/>
                                         <p:tgtEl>
-                                          <p:spTgt spid="4"/>
+                                          <p:spTgt spid="5"/>
                                         </p:tgtEl>
                                       </p:cBhvr>
                                     </p:animEffect>
@@ -8183,13 +8188,13 @@
   <p:clrMapOvr>
     <a:masterClrMapping/>
   </p:clrMapOvr>
-  <mc:AlternateContent xmlns:mc="http://schemas.openxmlformats.org/markup-compatibility/2006">
-    <mc:Choice xmlns:p14="http://schemas.microsoft.com/office/powerpoint/2010/main" Requires="p14">
+  <mc:AlternateContent xmlns:mc="http://schemas.openxmlformats.org/markup-compatibility/2006" xmlns:p14="http://schemas.microsoft.com/office/powerpoint/2010/main">
+    <mc:Choice Requires="p14">
       <p:transition spd="slow" p14:dur="1500">
         <p:split orient="vert"/>
       </p:transition>
     </mc:Choice>
-    <mc:Fallback>
+    <mc:Fallback xmlns="">
       <p:transition spd="slow">
         <p:split orient="vert"/>
       </p:transition>
@@ -8841,13 +8846,13 @@
   <p:clrMapOvr>
     <a:masterClrMapping/>
   </p:clrMapOvr>
-  <mc:AlternateContent xmlns:mc="http://schemas.openxmlformats.org/markup-compatibility/2006">
-    <mc:Choice xmlns:p14="http://schemas.microsoft.com/office/powerpoint/2010/main" Requires="p14">
+  <mc:AlternateContent xmlns:mc="http://schemas.openxmlformats.org/markup-compatibility/2006" xmlns:p14="http://schemas.microsoft.com/office/powerpoint/2010/main">
+    <mc:Choice Requires="p14">
       <p:transition spd="slow" p14:dur="1500">
         <p:split orient="vert"/>
       </p:transition>
     </mc:Choice>
-    <mc:Fallback>
+    <mc:Fallback xmlns="">
       <p:transition spd="slow">
         <p:split orient="vert"/>
       </p:transition>
